--- a/Presentation/Presentation.pptx
+++ b/Presentation/Presentation.pptx
@@ -4933,11 +4933,11 @@
           <c:showPercent val="0"/>
           <c:showBubbleSize val="0"/>
         </c:dLbls>
-        <c:axId val="357328992"/>
-        <c:axId val="560970304"/>
+        <c:axId val="1718975392"/>
+        <c:axId val="1718976480"/>
       </c:scatterChart>
       <c:valAx>
-        <c:axId val="357328992"/>
+        <c:axId val="1718975392"/>
         <c:scaling>
           <c:orientation val="minMax"/>
         </c:scaling>
@@ -5057,12 +5057,12 @@
             <a:endParaRPr lang="en-US"/>
           </a:p>
         </c:txPr>
-        <c:crossAx val="560970304"/>
+        <c:crossAx val="1718976480"/>
         <c:crosses val="autoZero"/>
         <c:crossBetween val="midCat"/>
       </c:valAx>
       <c:valAx>
-        <c:axId val="560970304"/>
+        <c:axId val="1718976480"/>
         <c:scaling>
           <c:orientation val="minMax"/>
         </c:scaling>
@@ -5183,7 +5183,7 @@
             <a:endParaRPr lang="en-US"/>
           </a:p>
         </c:txPr>
-        <c:crossAx val="357328992"/>
+        <c:crossAx val="1718975392"/>
         <c:crosses val="autoZero"/>
         <c:crossBetween val="midCat"/>
       </c:valAx>
@@ -16323,11 +16323,7 @@
           <a:p>
             <a:r>
               <a:rPr lang="ru-RU" dirty="0" smtClean="0"/>
-              <a:t>Функционал плотности и </a:t>
-            </a:r>
-            <a:r>
-              <a:rPr lang="ru-RU" dirty="0" smtClean="0"/>
-              <a:t>потока</a:t>
+              <a:t>Функционал плотности и потока</a:t>
             </a:r>
             <a:r>
               <a:rPr lang="en-US" dirty="0" smtClean="0"/>
@@ -16337,7 +16333,6 @@
               <a:rPr lang="ru-RU" dirty="0" smtClean="0"/>
               <a:t>плотности:</a:t>
             </a:r>
-            <a:endParaRPr lang="ru-RU" dirty="0" smtClean="0"/>
           </a:p>
           <a:p>
             <a:endParaRPr lang="ru-RU" dirty="0"/>
@@ -18393,12 +18388,12 @@
           <a:graphicData uri="http://schemas.openxmlformats.org/presentationml/2006/ole">
             <mc:AlternateContent xmlns:mc="http://schemas.openxmlformats.org/markup-compatibility/2006">
               <mc:Choice xmlns:v="urn:schemas-microsoft-com:vml" Requires="v">
-                <p:oleObj spid="_x0000_s1071" name="Visio" r:id="rId3" imgW="8972595" imgH="6639017" progId="Visio.Drawing.15">
+                <p:oleObj spid="_x0000_s1072" name="Visio" r:id="rId4" imgW="8972595" imgH="6639017" progId="Visio.Drawing.15">
                   <p:embed/>
                 </p:oleObj>
               </mc:Choice>
               <mc:Fallback>
-                <p:oleObj name="Visio" r:id="rId3" imgW="8972595" imgH="6639017" progId="Visio.Drawing.15">
+                <p:oleObj name="Visio" r:id="rId4" imgW="8972595" imgH="6639017" progId="Visio.Drawing.15">
                   <p:embed/>
                   <p:pic>
                     <p:nvPicPr>
@@ -18407,7 +18402,7 @@
                       <p:nvPr/>
                     </p:nvPicPr>
                     <p:blipFill>
-                      <a:blip r:embed="rId4"/>
+                      <a:blip r:embed="rId5"/>
                       <a:stretch>
                         <a:fillRect/>
                       </a:stretch>
@@ -21700,7 +21695,7 @@
         <p:spPr>
           <a:xfrm>
             <a:off x="1942415" y="4675031"/>
-            <a:ext cx="6591985" cy="692307"/>
+            <a:ext cx="6649650" cy="692307"/>
           </a:xfrm>
         </p:spPr>
         <p:txBody>
@@ -21715,7 +21710,7 @@
             </a:r>
             <a:r>
               <a:rPr lang="en-US" dirty="0" err="1" smtClean="0"/>
-              <a:t>Vicsek</a:t>
+              <a:t>Vicsek’a</a:t>
             </a:r>
             <a:r>
               <a:rPr lang="ru-RU" dirty="0" smtClean="0"/>

--- a/Presentation/Presentation.pptx
+++ b/Presentation/Presentation.pptx
@@ -14744,7 +14744,7 @@
         <p:spPr>
           <a:xfrm>
             <a:off x="1942415" y="5911221"/>
-            <a:ext cx="5908244" cy="677108"/>
+            <a:ext cx="5908244" cy="492443"/>
           </a:xfrm>
           <a:prstGeom prst="rect">
             <a:avLst/>
@@ -14787,15 +14787,7 @@
             </a:r>
             <a:r>
               <a:rPr lang="en-US" sz="1200" dirty="0"/>
-              <a:t> 281, no. 1–4 (2000): 30 – 40. </a:t>
-            </a:r>
-            <a:r>
-              <a:rPr lang="en-US" sz="1200" dirty="0" err="1"/>
-              <a:t>doi:http</a:t>
-            </a:r>
-            <a:r>
-              <a:rPr lang="en-US" sz="1200" dirty="0"/>
-              <a:t>://dx.doi.org/10.1016/S0378-4371(00)00017-0</a:t>
+              <a:t> 281, no. 1–4 (2000): 30 – 40</a:t>
             </a:r>
             <a:r>
               <a:rPr lang="en-US" sz="1200" dirty="0" smtClean="0"/>
@@ -15953,7 +15945,7 @@
         <p:spPr>
           <a:xfrm>
             <a:off x="1942415" y="5911221"/>
-            <a:ext cx="5908244" cy="677108"/>
+            <a:ext cx="5908244" cy="492443"/>
           </a:xfrm>
           <a:prstGeom prst="rect">
             <a:avLst/>
@@ -16000,11 +15992,7 @@
             </a:r>
             <a:r>
               <a:rPr lang="en-US" sz="1200" dirty="0"/>
-              <a:t> 74, no. 2 (August 2006): 022101. doi:10.1103/PhysRevE.74.022101</a:t>
-            </a:r>
-            <a:r>
-              <a:rPr lang="en-US" sz="1200" dirty="0" smtClean="0"/>
-              <a:t>.</a:t>
+              <a:t> 74, no. 2 (August 2006): 022101. </a:t>
             </a:r>
             <a:endParaRPr lang="ru-RU" sz="1200" dirty="0"/>
           </a:p>
@@ -16656,13 +16644,7 @@
             </a:r>
             <a:r>
               <a:rPr lang="en-US" sz="1200" dirty="0"/>
-              <a:t>, 2013. </a:t>
-            </a:r>
-            <a:r>
-              <a:rPr lang="en-US" sz="1200" dirty="0">
-                <a:hlinkClick r:id="rId3"/>
-              </a:rPr>
-              <a:t>http://arxiv.org/abs/1304.6645</a:t>
+              <a:t>, 2013</a:t>
             </a:r>
             <a:r>
               <a:rPr lang="en-US" sz="1200" dirty="0" smtClean="0"/>
@@ -18388,12 +18370,12 @@
           <a:graphicData uri="http://schemas.openxmlformats.org/presentationml/2006/ole">
             <mc:AlternateContent xmlns:mc="http://schemas.openxmlformats.org/markup-compatibility/2006">
               <mc:Choice xmlns:v="urn:schemas-microsoft-com:vml" Requires="v">
-                <p:oleObj spid="_x0000_s1072" name="Visio" r:id="rId4" imgW="8972595" imgH="6639017" progId="Visio.Drawing.15">
+                <p:oleObj spid="_x0000_s1075" name="Visio" r:id="rId3" imgW="8972595" imgH="6639017" progId="Visio.Drawing.15">
                   <p:embed/>
                 </p:oleObj>
               </mc:Choice>
               <mc:Fallback>
-                <p:oleObj name="Visio" r:id="rId4" imgW="8972595" imgH="6639017" progId="Visio.Drawing.15">
+                <p:oleObj name="Visio" r:id="rId3" imgW="8972595" imgH="6639017" progId="Visio.Drawing.15">
                   <p:embed/>
                   <p:pic>
                     <p:nvPicPr>
@@ -18402,7 +18384,7 @@
                       <p:nvPr/>
                     </p:nvPicPr>
                     <p:blipFill>
-                      <a:blip r:embed="rId5"/>
+                      <a:blip r:embed="rId4"/>
                       <a:stretch>
                         <a:fillRect/>
                       </a:stretch>
@@ -19943,13 +19925,25 @@
           <a:p>
             <a:r>
               <a:rPr lang="ru-RU" dirty="0" smtClean="0"/>
-              <a:t>Численный эксперимент показал несостоятельность аналитических моделей самодвижущейся жидкости в которых фигурирует вязкость</a:t>
-            </a:r>
-          </a:p>
-          <a:p>
+              <a:t>Численный эксперимент показал несостоятельность аналитических моделей самодвижущейся </a:t>
+            </a:r>
             <a:r>
               <a:rPr lang="ru-RU" dirty="0" smtClean="0"/>
-              <a:t>Предложенный алгоритм для оптимизации затрат машинного времени показал свою состоятельность.</a:t>
+              <a:t>жидкости, </a:t>
+            </a:r>
+            <a:r>
+              <a:rPr lang="ru-RU" dirty="0" smtClean="0"/>
+              <a:t>в которых фигурирует вязкость</a:t>
+            </a:r>
+          </a:p>
+          <a:p>
+            <a:r>
+              <a:rPr lang="ru-RU" dirty="0" smtClean="0"/>
+              <a:t>Предложенный алгоритм для оптимизации затрат машинного времени показал свою </a:t>
+            </a:r>
+            <a:r>
+              <a:rPr lang="ru-RU" dirty="0" smtClean="0"/>
+              <a:t>состоятельность</a:t>
             </a:r>
             <a:endParaRPr lang="en-US" dirty="0"/>
           </a:p>
